--- a/Slides/Lecture09 - Apps part I.pptx
+++ b/Slides/Lecture09 - Apps part I.pptx
@@ -356,7 +356,7 @@
               <a:rPr lang="en-US" smtClean="0">
                 <a:latin typeface="Segoe UI" pitchFamily="34" charset="0"/>
               </a:rPr>
-              <a:t>10/24/2018</a:t>
+              <a:t>10/26/2018</a:t>
             </a:fld>
             <a:endParaRPr lang="en-US" dirty="0">
               <a:latin typeface="Segoe UI" pitchFamily="34" charset="0"/>
@@ -679,7 +679,7 @@
             <a:fld id="{D51B1278-D92B-4AF3-A9C1-71DD298190CE}" type="datetimeFigureOut">
               <a:rPr lang="en-US" smtClean="0"/>
               <a:pPr/>
-              <a:t>10/24/2018</a:t>
+              <a:t>10/26/2018</a:t>
             </a:fld>
             <a:endParaRPr lang="en-US" dirty="0"/>
           </a:p>
@@ -1084,7 +1084,7 @@
           <a:p>
             <a:fld id="{8DD77A99-1A6A-460E-B044-101F254CBDFA}" type="datetime1">
               <a:rPr lang="en-US" smtClean="0"/>
-              <a:t>10/24/2018</a:t>
+              <a:t>10/26/2018</a:t>
             </a:fld>
             <a:endParaRPr lang="en-US" dirty="0"/>
           </a:p>
@@ -1287,7 +1287,7 @@
           <a:p>
             <a:fld id="{C231F797-F73C-4372-81BA-0C8A9CF41ACB}" type="datetime1">
               <a:rPr lang="en-US" smtClean="0"/>
-              <a:t>10/24/2018</a:t>
+              <a:t>10/26/2018</a:t>
             </a:fld>
             <a:endParaRPr lang="en-US" dirty="0"/>
           </a:p>
@@ -1490,7 +1490,7 @@
           <a:p>
             <a:fld id="{4A85962E-1DA3-4F20-A53F-A8DE2E9196A7}" type="datetime1">
               <a:rPr lang="en-US" smtClean="0"/>
-              <a:t>10/24/2018</a:t>
+              <a:t>10/26/2018</a:t>
             </a:fld>
             <a:endParaRPr lang="en-US" dirty="0"/>
           </a:p>
@@ -1693,7 +1693,7 @@
           <a:p>
             <a:fld id="{17A7DDD6-8A39-48DD-87CB-0FF3FA7FF0C9}" type="datetime1">
               <a:rPr lang="en-US" smtClean="0"/>
-              <a:t>10/24/2018</a:t>
+              <a:t>10/26/2018</a:t>
             </a:fld>
             <a:endParaRPr lang="en-US" dirty="0"/>
           </a:p>
@@ -1896,7 +1896,7 @@
           <a:p>
             <a:fld id="{DF062C99-8EF8-48B0-A30D-8414CA79391D}" type="datetime1">
               <a:rPr lang="en-US" smtClean="0"/>
-              <a:t>10/24/2018</a:t>
+              <a:t>10/26/2018</a:t>
             </a:fld>
             <a:endParaRPr lang="en-US" dirty="0"/>
           </a:p>
@@ -2099,7 +2099,7 @@
           <a:p>
             <a:fld id="{059CFEBE-5A21-4349-95F2-F5AED3712283}" type="datetime1">
               <a:rPr lang="en-US" smtClean="0"/>
-              <a:t>10/24/2018</a:t>
+              <a:t>10/26/2018</a:t>
             </a:fld>
             <a:endParaRPr lang="en-US" dirty="0"/>
           </a:p>
@@ -2302,7 +2302,7 @@
           <a:p>
             <a:fld id="{916BB470-3220-4268-B50F-38A321B77A26}" type="datetime1">
               <a:rPr lang="en-US" smtClean="0"/>
-              <a:t>10/24/2018</a:t>
+              <a:t>10/26/2018</a:t>
             </a:fld>
             <a:endParaRPr lang="en-US" dirty="0"/>
           </a:p>
@@ -2505,7 +2505,7 @@
           <a:p>
             <a:fld id="{4AA88DF6-34E6-4A58-A445-6B56F1C35C92}" type="datetime1">
               <a:rPr lang="en-US" smtClean="0"/>
-              <a:t>10/24/2018</a:t>
+              <a:t>10/26/2018</a:t>
             </a:fld>
             <a:endParaRPr lang="en-US" dirty="0"/>
           </a:p>
@@ -2708,7 +2708,7 @@
           <a:p>
             <a:fld id="{FD7716EF-AEC7-4A11-8FEC-CB250C713E05}" type="datetime1">
               <a:rPr lang="en-US" smtClean="0"/>
-              <a:t>10/24/2018</a:t>
+              <a:t>10/26/2018</a:t>
             </a:fld>
             <a:endParaRPr lang="en-US" dirty="0"/>
           </a:p>
@@ -2911,7 +2911,7 @@
           <a:p>
             <a:fld id="{F4FDB8BA-1FFF-4D4E-8DF3-3E53DE5B0313}" type="datetime1">
               <a:rPr lang="en-US" smtClean="0"/>
-              <a:t>10/24/2018</a:t>
+              <a:t>10/26/2018</a:t>
             </a:fld>
             <a:endParaRPr lang="en-US" dirty="0"/>
           </a:p>
@@ -3114,7 +3114,7 @@
           <a:p>
             <a:fld id="{91514382-EBEA-4749-9737-5D5CB7CB5221}" type="datetime1">
               <a:rPr lang="en-US" smtClean="0"/>
-              <a:t>10/24/2018</a:t>
+              <a:t>10/26/2018</a:t>
             </a:fld>
             <a:endParaRPr lang="en-US" dirty="0"/>
           </a:p>
@@ -3317,7 +3317,7 @@
           <a:p>
             <a:fld id="{6A62BB04-A46D-404B-9208-0DEB8B76D887}" type="datetime1">
               <a:rPr lang="en-US" smtClean="0"/>
-              <a:t>10/24/2018</a:t>
+              <a:t>10/26/2018</a:t>
             </a:fld>
             <a:endParaRPr lang="en-US" dirty="0"/>
           </a:p>
@@ -3520,7 +3520,7 @@
           <a:p>
             <a:fld id="{C1163C17-E73D-4B13-A287-70CA9277D98D}" type="datetime1">
               <a:rPr lang="en-US" smtClean="0"/>
-              <a:t>10/24/2018</a:t>
+              <a:t>10/26/2018</a:t>
             </a:fld>
             <a:endParaRPr lang="en-US" dirty="0"/>
           </a:p>
@@ -3723,7 +3723,7 @@
           <a:p>
             <a:fld id="{710824B3-DD75-46A6-8376-CCEE663A7640}" type="datetime1">
               <a:rPr lang="en-US" smtClean="0"/>
-              <a:t>10/24/2018</a:t>
+              <a:t>10/26/2018</a:t>
             </a:fld>
             <a:endParaRPr lang="en-US" dirty="0"/>
           </a:p>
@@ -7666,56 +7666,32 @@
       </p:sp>
       <p:pic>
         <p:nvPicPr>
-          <p:cNvPr id="44034" name="Picture 2"/>
+          <p:cNvPr id="4" name="Picture 3">
+            <a:extLst>
+              <a:ext uri="{FF2B5EF4-FFF2-40B4-BE49-F238E27FC236}">
+                <a16:creationId xmlns:a16="http://schemas.microsoft.com/office/drawing/2014/main" id="{3BA1123D-A986-4599-9C1F-7290555C76C6}"/>
+              </a:ext>
+            </a:extLst>
+          </p:cNvPr>
           <p:cNvPicPr>
-            <a:picLocks noChangeAspect="1" noChangeArrowheads="1"/>
+            <a:picLocks noChangeAspect="1"/>
           </p:cNvPicPr>
           <p:nvPr/>
         </p:nvPicPr>
         <p:blipFill>
-          <a:blip r:embed="rId3">
-            <a:extLst>
-              <a:ext uri="{28A0092B-C50C-407E-A947-70E740481C1C}">
-                <a14:useLocalDpi xmlns:a14="http://schemas.microsoft.com/office/drawing/2010/main" val="0"/>
-              </a:ext>
-            </a:extLst>
-          </a:blip>
-          <a:srcRect/>
+          <a:blip r:embed="rId3"/>
           <a:stretch>
             <a:fillRect/>
           </a:stretch>
         </p:blipFill>
-        <p:spPr bwMode="auto">
+        <p:spPr>
           <a:xfrm>
-            <a:off x="109908" y="2322198"/>
-            <a:ext cx="9013274" cy="2643894"/>
+            <a:off x="274215" y="2491434"/>
+            <a:ext cx="8778134" cy="2011658"/>
           </a:xfrm>
           <a:prstGeom prst="rect">
             <a:avLst/>
           </a:prstGeom>
-          <a:noFill/>
-          <a:ln>
-            <a:noFill/>
-          </a:ln>
-          <a:extLst>
-            <a:ext uri="{909E8E84-426E-40DD-AFC4-6F175D3DCCD1}">
-              <a14:hiddenFill xmlns:a14="http://schemas.microsoft.com/office/drawing/2010/main">
-                <a:solidFill>
-                  <a:schemeClr val="accent1"/>
-                </a:solidFill>
-              </a14:hiddenFill>
-            </a:ext>
-            <a:ext uri="{91240B29-F687-4F45-9708-019B960494DF}">
-              <a14:hiddenLine xmlns:a14="http://schemas.microsoft.com/office/drawing/2010/main" w="9525">
-                <a:solidFill>
-                  <a:schemeClr val="tx1"/>
-                </a:solidFill>
-                <a:miter lim="800000"/>
-                <a:headEnd/>
-                <a:tailEnd/>
-              </a14:hiddenLine>
-            </a:ext>
-          </a:extLst>
         </p:spPr>
       </p:pic>
     </p:spTree>
@@ -10245,7 +10221,7 @@
         <p:spPr>
           <a:xfrm>
             <a:off x="228490" y="1577043"/>
-            <a:ext cx="8869583" cy="4247317"/>
+            <a:ext cx="8869583" cy="3416320"/>
           </a:xfrm>
           <a:prstGeom prst="rect">
             <a:avLst/>
@@ -10275,245 +10251,14 @@
               </a:rPr>
               <a:t>Page</a:t>
             </a:r>
-            <a:endParaRPr lang="da-DK" dirty="0">
-              <a:solidFill>
-                <a:srgbClr val="000000"/>
-              </a:solidFill>
-              <a:latin typeface="Consolas" panose="020B0609020204030204" pitchFamily="49" charset="0"/>
-            </a:endParaRPr>
-          </a:p>
-          <a:p>
             <a:r>
               <a:rPr lang="da-DK" dirty="0">
                 <a:solidFill>
-                  <a:srgbClr val="000000"/>
-                </a:solidFill>
-                <a:latin typeface="Consolas" panose="020B0609020204030204" pitchFamily="49" charset="0"/>
-              </a:rPr>
-              <a:t>   </a:t>
-            </a:r>
-            <a:r>
-              <a:rPr lang="da-DK" dirty="0">
-                <a:solidFill>
-                  <a:srgbClr val="FF0000"/>
-                </a:solidFill>
-                <a:latin typeface="Consolas" panose="020B0609020204030204" pitchFamily="49" charset="0"/>
-              </a:rPr>
-              <a:t> x</a:t>
-            </a:r>
-            <a:r>
-              <a:rPr lang="da-DK" dirty="0">
-                <a:solidFill>
                   <a:srgbClr val="0000FF"/>
                 </a:solidFill>
                 <a:latin typeface="Consolas" panose="020B0609020204030204" pitchFamily="49" charset="0"/>
               </a:rPr>
-              <a:t>:</a:t>
-            </a:r>
-            <a:r>
-              <a:rPr lang="da-DK" dirty="0">
-                <a:solidFill>
-                  <a:srgbClr val="FF0000"/>
-                </a:solidFill>
-                <a:latin typeface="Consolas" panose="020B0609020204030204" pitchFamily="49" charset="0"/>
-              </a:rPr>
-              <a:t>Class</a:t>
-            </a:r>
-            <a:r>
-              <a:rPr lang="da-DK" dirty="0">
-                <a:solidFill>
-                  <a:srgbClr val="0000FF"/>
-                </a:solidFill>
-                <a:latin typeface="Consolas" panose="020B0609020204030204" pitchFamily="49" charset="0"/>
-              </a:rPr>
-              <a:t>="App.MainPage"</a:t>
-            </a:r>
-            <a:endParaRPr lang="da-DK" dirty="0">
-              <a:solidFill>
-                <a:srgbClr val="000000"/>
-              </a:solidFill>
-              <a:latin typeface="Consolas" panose="020B0609020204030204" pitchFamily="49" charset="0"/>
-            </a:endParaRPr>
-          </a:p>
-          <a:p>
-            <a:r>
-              <a:rPr lang="da-DK" dirty="0">
-                <a:solidFill>
-                  <a:srgbClr val="000000"/>
-                </a:solidFill>
-                <a:latin typeface="Consolas" panose="020B0609020204030204" pitchFamily="49" charset="0"/>
-              </a:rPr>
-              <a:t>    </a:t>
-            </a:r>
-            <a:r>
-              <a:rPr lang="da-DK" dirty="0" err="1">
-                <a:solidFill>
-                  <a:srgbClr val="FF0000"/>
-                </a:solidFill>
-                <a:latin typeface="Consolas" panose="020B0609020204030204" pitchFamily="49" charset="0"/>
-              </a:rPr>
-              <a:t>xmlns</a:t>
-            </a:r>
-            <a:r>
-              <a:rPr lang="da-DK" dirty="0">
-                <a:solidFill>
-                  <a:srgbClr val="0000FF"/>
-                </a:solidFill>
-                <a:latin typeface="Consolas" panose="020B0609020204030204" pitchFamily="49" charset="0"/>
-              </a:rPr>
-              <a:t>="http://schemas.microsoft.com/</a:t>
-            </a:r>
-            <a:r>
-              <a:rPr lang="da-DK" dirty="0" err="1">
-                <a:solidFill>
-                  <a:srgbClr val="0000FF"/>
-                </a:solidFill>
-                <a:latin typeface="Consolas" panose="020B0609020204030204" pitchFamily="49" charset="0"/>
-              </a:rPr>
-              <a:t>winfx</a:t>
-            </a:r>
-            <a:r>
-              <a:rPr lang="da-DK" dirty="0">
-                <a:solidFill>
-                  <a:srgbClr val="0000FF"/>
-                </a:solidFill>
-                <a:latin typeface="Consolas" panose="020B0609020204030204" pitchFamily="49" charset="0"/>
-              </a:rPr>
-              <a:t>/2006/</a:t>
-            </a:r>
-            <a:r>
-              <a:rPr lang="da-DK" dirty="0" err="1">
-                <a:solidFill>
-                  <a:srgbClr val="0000FF"/>
-                </a:solidFill>
-                <a:latin typeface="Consolas" panose="020B0609020204030204" pitchFamily="49" charset="0"/>
-              </a:rPr>
-              <a:t>xaml</a:t>
-            </a:r>
-            <a:r>
-              <a:rPr lang="da-DK" dirty="0">
-                <a:solidFill>
-                  <a:srgbClr val="0000FF"/>
-                </a:solidFill>
-                <a:latin typeface="Consolas" panose="020B0609020204030204" pitchFamily="49" charset="0"/>
-              </a:rPr>
-              <a:t>/</a:t>
-            </a:r>
-            <a:r>
-              <a:rPr lang="da-DK" dirty="0" err="1">
-                <a:solidFill>
-                  <a:srgbClr val="0000FF"/>
-                </a:solidFill>
-                <a:latin typeface="Consolas" panose="020B0609020204030204" pitchFamily="49" charset="0"/>
-              </a:rPr>
-              <a:t>presentation</a:t>
-            </a:r>
-            <a:r>
-              <a:rPr lang="da-DK" dirty="0">
-                <a:solidFill>
-                  <a:srgbClr val="0000FF"/>
-                </a:solidFill>
-                <a:latin typeface="Consolas" panose="020B0609020204030204" pitchFamily="49" charset="0"/>
-              </a:rPr>
-              <a:t>"</a:t>
-            </a:r>
-            <a:endParaRPr lang="da-DK" dirty="0">
-              <a:solidFill>
-                <a:srgbClr val="000000"/>
-              </a:solidFill>
-              <a:latin typeface="Consolas" panose="020B0609020204030204" pitchFamily="49" charset="0"/>
-            </a:endParaRPr>
-          </a:p>
-          <a:p>
-            <a:r>
-              <a:rPr lang="da-DK" dirty="0">
-                <a:solidFill>
-                  <a:srgbClr val="000000"/>
-                </a:solidFill>
-                <a:latin typeface="Consolas" panose="020B0609020204030204" pitchFamily="49" charset="0"/>
-              </a:rPr>
-              <a:t>   </a:t>
-            </a:r>
-            <a:r>
-              <a:rPr lang="da-DK" dirty="0">
-                <a:solidFill>
-                  <a:srgbClr val="FF0000"/>
-                </a:solidFill>
-                <a:latin typeface="Consolas" panose="020B0609020204030204" pitchFamily="49" charset="0"/>
-              </a:rPr>
-              <a:t> </a:t>
-            </a:r>
-            <a:r>
-              <a:rPr lang="da-DK" dirty="0" err="1">
-                <a:solidFill>
-                  <a:srgbClr val="FF0000"/>
-                </a:solidFill>
-                <a:latin typeface="Consolas" panose="020B0609020204030204" pitchFamily="49" charset="0"/>
-              </a:rPr>
-              <a:t>xmlns</a:t>
-            </a:r>
-            <a:r>
-              <a:rPr lang="da-DK" dirty="0" err="1">
-                <a:solidFill>
-                  <a:srgbClr val="0000FF"/>
-                </a:solidFill>
-                <a:latin typeface="Consolas" panose="020B0609020204030204" pitchFamily="49" charset="0"/>
-              </a:rPr>
-              <a:t>:</a:t>
-            </a:r>
-            <a:r>
-              <a:rPr lang="da-DK" dirty="0" err="1">
-                <a:solidFill>
-                  <a:srgbClr val="FF0000"/>
-                </a:solidFill>
-                <a:latin typeface="Consolas" panose="020B0609020204030204" pitchFamily="49" charset="0"/>
-              </a:rPr>
-              <a:t>x</a:t>
-            </a:r>
-            <a:r>
-              <a:rPr lang="da-DK" dirty="0">
-                <a:solidFill>
-                  <a:srgbClr val="0000FF"/>
-                </a:solidFill>
-                <a:latin typeface="Consolas" panose="020B0609020204030204" pitchFamily="49" charset="0"/>
-              </a:rPr>
-              <a:t>="http://schemas.microsoft.com/</a:t>
-            </a:r>
-            <a:r>
-              <a:rPr lang="da-DK" dirty="0" err="1">
-                <a:solidFill>
-                  <a:srgbClr val="0000FF"/>
-                </a:solidFill>
-                <a:latin typeface="Consolas" panose="020B0609020204030204" pitchFamily="49" charset="0"/>
-              </a:rPr>
-              <a:t>winfx</a:t>
-            </a:r>
-            <a:r>
-              <a:rPr lang="da-DK" dirty="0">
-                <a:solidFill>
-                  <a:srgbClr val="0000FF"/>
-                </a:solidFill>
-                <a:latin typeface="Consolas" panose="020B0609020204030204" pitchFamily="49" charset="0"/>
-              </a:rPr>
-              <a:t>/2006/</a:t>
-            </a:r>
-            <a:r>
-              <a:rPr lang="da-DK" dirty="0" err="1">
-                <a:solidFill>
-                  <a:srgbClr val="0000FF"/>
-                </a:solidFill>
-                <a:latin typeface="Consolas" panose="020B0609020204030204" pitchFamily="49" charset="0"/>
-              </a:rPr>
-              <a:t>xaml</a:t>
-            </a:r>
-            <a:r>
-              <a:rPr lang="da-DK" dirty="0">
-                <a:solidFill>
-                  <a:srgbClr val="0000FF"/>
-                </a:solidFill>
-                <a:latin typeface="Consolas" panose="020B0609020204030204" pitchFamily="49" charset="0"/>
-              </a:rPr>
-              <a:t>"&gt;</a:t>
+              <a:t>&gt;</a:t>
             </a:r>
             <a:endParaRPr lang="da-DK" dirty="0">
               <a:solidFill>
@@ -14100,6 +13845,15 @@
 </file>
 
 <file path=customXml/item1.xml><?xml version="1.0" encoding="utf-8"?>
+<?mso-contentType ?>
+<FormTemplates xmlns="http://schemas.microsoft.com/sharepoint/v3/contenttype/forms">
+  <Display>DocumentLibraryForm</Display>
+  <Edit>DocumentLibraryForm</Edit>
+  <New>DocumentLibraryForm</New>
+</FormTemplates>
+</file>
+
+<file path=customXml/item2.xml><?xml version="1.0" encoding="utf-8"?>
 <ct:contentTypeSchema xmlns:ct="http://schemas.microsoft.com/office/2006/metadata/contentType" xmlns:ma="http://schemas.microsoft.com/office/2006/metadata/properties/metaAttributes" ct:_="" ma:_="" ma:contentTypeName="PresentationsDoc" ma:contentTypeID="0x010100B88FC3ECA26D1C46B3C4C83281D2EB9C003BBE479AF4108146A616B6B5E7069DBC" ma:contentTypeVersion="61" ma:contentTypeDescription="" ma:contentTypeScope="" ma:versionID="72533711bacf991a4680f48ae6b725f9">
   <xsd:schema xmlns:xsd="http://www.w3.org/2001/XMLSchema" xmlns:xs="http://www.w3.org/2001/XMLSchema" xmlns:p="http://schemas.microsoft.com/office/2006/metadata/properties" xmlns:ns2="2295e2e7-0eeb-498e-8716-217bb2ee6ee3" xmlns:ns3="8b529f77-48ab-4581-b468-93f09345b8aa" targetNamespace="http://schemas.microsoft.com/office/2006/metadata/properties" ma:root="true" ma:fieldsID="dde17010d50e6e632f300eac8dfd378e" ns2:_="" ns3:_="">
     <xsd:import namespace="2295e2e7-0eeb-498e-8716-217bb2ee6ee3"/>
@@ -14378,15 +14132,6 @@
 </ct:contentTypeSchema>
 </file>
 
-<file path=customXml/item2.xml><?xml version="1.0" encoding="utf-8"?>
-<?mso-contentType ?>
-<FormTemplates xmlns="http://schemas.microsoft.com/sharepoint/v3/contenttype/forms">
-  <Display>DocumentLibraryForm</Display>
-  <Edit>DocumentLibraryForm</Edit>
-  <New>DocumentLibraryForm</New>
-</FormTemplates>
-</file>
-
 <file path=customXml/item3.xml><?xml version="1.0" encoding="utf-8"?>
 <p:properties xmlns:p="http://schemas.microsoft.com/office/2006/metadata/properties" xmlns:xsi="http://www.w3.org/2001/XMLSchema-instance" xmlns:pc="http://schemas.microsoft.com/office/infopath/2007/PartnerControls">
   <documentManagement>
@@ -14443,6 +14188,14 @@
 </file>
 
 <file path=customXml/itemProps1.xml><?xml version="1.0" encoding="utf-8"?>
+<ds:datastoreItem xmlns:ds="http://schemas.openxmlformats.org/officeDocument/2006/customXml" ds:itemID="{758FDAC0-319D-4A54-8D8E-1D42CB1F8004}">
+  <ds:schemaRefs>
+    <ds:schemaRef ds:uri="http://schemas.microsoft.com/sharepoint/v3/contenttype/forms"/>
+  </ds:schemaRefs>
+</ds:datastoreItem>
+</file>
+
+<file path=customXml/itemProps2.xml><?xml version="1.0" encoding="utf-8"?>
 <ds:datastoreItem xmlns:ds="http://schemas.openxmlformats.org/officeDocument/2006/customXml" ds:itemID="{A4A71FB1-3FB8-468F-9C64-2246CB74C7D9}">
   <ds:schemaRefs>
     <ds:schemaRef ds:uri="http://schemas.microsoft.com/office/2006/metadata/contentType"/>
@@ -14457,14 +14210,6 @@
     <ds:schemaRef ds:uri="http://purl.org/dc/elements/1.1/"/>
     <ds:schemaRef ds:uri="http://purl.org/dc/terms/"/>
     <ds:schemaRef ds:uri="http://schemas.microsoft.com/internal/obd"/>
-  </ds:schemaRefs>
-</ds:datastoreItem>
-</file>
-
-<file path=customXml/itemProps2.xml><?xml version="1.0" encoding="utf-8"?>
-<ds:datastoreItem xmlns:ds="http://schemas.openxmlformats.org/officeDocument/2006/customXml" ds:itemID="{758FDAC0-319D-4A54-8D8E-1D42CB1F8004}">
-  <ds:schemaRefs>
-    <ds:schemaRef ds:uri="http://schemas.microsoft.com/sharepoint/v3/contenttype/forms"/>
   </ds:schemaRefs>
 </ds:datastoreItem>
 </file>
